--- a/ZigBeeHA/docs/zigbee_sw.pptx
+++ b/ZigBeeHA/docs/zigbee_sw.pptx
@@ -13,6 +13,7 @@
     <p:sldId id="257" r:id="rId7"/>
     <p:sldId id="264" r:id="rId8"/>
     <p:sldId id="265" r:id="rId9"/>
+    <p:sldId id="266" r:id="rId10"/>
   </p:sldIdLst>
   <p:sldSz cx="12192000" cy="6858000"/>
   <p:notesSz cx="6858000" cy="9144000"/>
@@ -250,7 +251,7 @@
           <a:p>
             <a:fld id="{E94F49D4-4FB5-4A9C-B0FA-34D4D9F8D950}" type="datetimeFigureOut">
               <a:rPr lang="ko-KR" altLang="en-US" smtClean="0"/>
-              <a:t>2014-11-20</a:t>
+              <a:t>2014-11-22</a:t>
             </a:fld>
             <a:endParaRPr lang="ko-KR" altLang="en-US"/>
           </a:p>
@@ -420,7 +421,7 @@
           <a:p>
             <a:fld id="{E94F49D4-4FB5-4A9C-B0FA-34D4D9F8D950}" type="datetimeFigureOut">
               <a:rPr lang="ko-KR" altLang="en-US" smtClean="0"/>
-              <a:t>2014-11-20</a:t>
+              <a:t>2014-11-22</a:t>
             </a:fld>
             <a:endParaRPr lang="ko-KR" altLang="en-US"/>
           </a:p>
@@ -600,7 +601,7 @@
           <a:p>
             <a:fld id="{E94F49D4-4FB5-4A9C-B0FA-34D4D9F8D950}" type="datetimeFigureOut">
               <a:rPr lang="ko-KR" altLang="en-US" smtClean="0"/>
-              <a:t>2014-11-20</a:t>
+              <a:t>2014-11-22</a:t>
             </a:fld>
             <a:endParaRPr lang="ko-KR" altLang="en-US"/>
           </a:p>
@@ -780,7 +781,7 @@
           <a:p>
             <a:fld id="{E94F49D4-4FB5-4A9C-B0FA-34D4D9F8D950}" type="datetimeFigureOut">
               <a:rPr lang="ko-KR" altLang="en-US" smtClean="0"/>
-              <a:t>2014-11-20</a:t>
+              <a:t>2014-11-22</a:t>
             </a:fld>
             <a:endParaRPr lang="ko-KR" altLang="en-US"/>
           </a:p>
@@ -1026,7 +1027,7 @@
           <a:p>
             <a:fld id="{E94F49D4-4FB5-4A9C-B0FA-34D4D9F8D950}" type="datetimeFigureOut">
               <a:rPr lang="ko-KR" altLang="en-US" smtClean="0"/>
-              <a:t>2014-11-20</a:t>
+              <a:t>2014-11-22</a:t>
             </a:fld>
             <a:endParaRPr lang="ko-KR" altLang="en-US"/>
           </a:p>
@@ -1258,7 +1259,7 @@
           <a:p>
             <a:fld id="{E94F49D4-4FB5-4A9C-B0FA-34D4D9F8D950}" type="datetimeFigureOut">
               <a:rPr lang="ko-KR" altLang="en-US" smtClean="0"/>
-              <a:t>2014-11-20</a:t>
+              <a:t>2014-11-22</a:t>
             </a:fld>
             <a:endParaRPr lang="ko-KR" altLang="en-US"/>
           </a:p>
@@ -1625,7 +1626,7 @@
           <a:p>
             <a:fld id="{E94F49D4-4FB5-4A9C-B0FA-34D4D9F8D950}" type="datetimeFigureOut">
               <a:rPr lang="ko-KR" altLang="en-US" smtClean="0"/>
-              <a:t>2014-11-20</a:t>
+              <a:t>2014-11-22</a:t>
             </a:fld>
             <a:endParaRPr lang="ko-KR" altLang="en-US"/>
           </a:p>
@@ -1743,7 +1744,7 @@
           <a:p>
             <a:fld id="{E94F49D4-4FB5-4A9C-B0FA-34D4D9F8D950}" type="datetimeFigureOut">
               <a:rPr lang="ko-KR" altLang="en-US" smtClean="0"/>
-              <a:t>2014-11-20</a:t>
+              <a:t>2014-11-22</a:t>
             </a:fld>
             <a:endParaRPr lang="ko-KR" altLang="en-US"/>
           </a:p>
@@ -1838,7 +1839,7 @@
           <a:p>
             <a:fld id="{E94F49D4-4FB5-4A9C-B0FA-34D4D9F8D950}" type="datetimeFigureOut">
               <a:rPr lang="ko-KR" altLang="en-US" smtClean="0"/>
-              <a:t>2014-11-20</a:t>
+              <a:t>2014-11-22</a:t>
             </a:fld>
             <a:endParaRPr lang="ko-KR" altLang="en-US"/>
           </a:p>
@@ -2115,7 +2116,7 @@
           <a:p>
             <a:fld id="{E94F49D4-4FB5-4A9C-B0FA-34D4D9F8D950}" type="datetimeFigureOut">
               <a:rPr lang="ko-KR" altLang="en-US" smtClean="0"/>
-              <a:t>2014-11-20</a:t>
+              <a:t>2014-11-22</a:t>
             </a:fld>
             <a:endParaRPr lang="ko-KR" altLang="en-US"/>
           </a:p>
@@ -2368,7 +2369,7 @@
           <a:p>
             <a:fld id="{E94F49D4-4FB5-4A9C-B0FA-34D4D9F8D950}" type="datetimeFigureOut">
               <a:rPr lang="ko-KR" altLang="en-US" smtClean="0"/>
-              <a:t>2014-11-20</a:t>
+              <a:t>2014-11-22</a:t>
             </a:fld>
             <a:endParaRPr lang="ko-KR" altLang="en-US"/>
           </a:p>
@@ -2581,7 +2582,7 @@
           <a:p>
             <a:fld id="{E94F49D4-4FB5-4A9C-B0FA-34D4D9F8D950}" type="datetimeFigureOut">
               <a:rPr lang="ko-KR" altLang="en-US" smtClean="0"/>
-              <a:t>2014-11-20</a:t>
+              <a:t>2014-11-22</a:t>
             </a:fld>
             <a:endParaRPr lang="ko-KR" altLang="en-US"/>
           </a:p>
@@ -3158,13 +3159,8 @@
             <a:pPr lvl="2"/>
             <a:r>
               <a:rPr lang="en-US" dirty="0" smtClean="0"/>
-              <a:t>JSON RPC </a:t>
-            </a:r>
-            <a:r>
-              <a:rPr lang="en-US" dirty="0" smtClean="0"/>
-              <a:t>between server and client</a:t>
-            </a:r>
-            <a:endParaRPr lang="en-US" dirty="0" smtClean="0"/>
+              <a:t>JSON RPC between server and client</a:t>
+            </a:r>
           </a:p>
           <a:p>
             <a:pPr lvl="2"/>
@@ -4594,6 +4590,13 @@
   <p:clrMapOvr>
     <a:masterClrMapping/>
   </p:clrMapOvr>
+  <p:timing>
+    <p:tnLst>
+      <p:par>
+        <p:cTn id="1" dur="indefinite" restart="never" nodeType="tmRoot"/>
+      </p:par>
+    </p:tnLst>
+  </p:timing>
 </p:sld>
 </file>
 
@@ -4732,6 +4735,13 @@
   <p:clrMapOvr>
     <a:masterClrMapping/>
   </p:clrMapOvr>
+  <p:timing>
+    <p:tnLst>
+      <p:par>
+        <p:cTn id="1" dur="indefinite" restart="never" nodeType="tmRoot"/>
+      </p:par>
+    </p:tnLst>
+  </p:timing>
 </p:sld>
 </file>
 
@@ -4848,11 +4858,7 @@
           <a:p>
             <a:r>
               <a:rPr lang="en-US" dirty="0" smtClean="0"/>
-              <a:t>Send control and receive current </a:t>
-            </a:r>
-            <a:r>
-              <a:rPr lang="en-US" dirty="0" smtClean="0"/>
-              <a:t>status</a:t>
+              <a:t>Send control and receive current status</a:t>
             </a:r>
           </a:p>
           <a:p>
@@ -4867,7 +4873,6 @@
               <a:rPr lang="en-US" dirty="0" smtClean="0"/>
               <a:t>On, Off, Toggle rules</a:t>
             </a:r>
-            <a:endParaRPr lang="en-US" dirty="0" smtClean="0"/>
           </a:p>
         </p:txBody>
       </p:sp>
@@ -4925,7 +4930,11 @@
           <a:p>
             <a:r>
               <a:rPr lang="en-US" dirty="0" smtClean="0"/>
-              <a:t>Apparatus</a:t>
+              <a:t>Apparatus – </a:t>
+            </a:r>
+            <a:r>
+              <a:rPr lang="en-US" dirty="0" smtClean="0"/>
+              <a:t>Main</a:t>
             </a:r>
             <a:endParaRPr lang="en-US" dirty="0"/>
           </a:p>
@@ -5341,6 +5350,13 @@
   <p:clrMapOvr>
     <a:masterClrMapping/>
   </p:clrMapOvr>
+  <p:timing>
+    <p:tnLst>
+      <p:par>
+        <p:cTn id="1" dur="indefinite" restart="never" nodeType="tmRoot"/>
+      </p:par>
+    </p:tnLst>
+  </p:timing>
 </p:sld>
 </file>
 
@@ -5377,8 +5393,12 @@
           <a:lstStyle/>
           <a:p>
             <a:r>
-              <a:rPr lang="en-US" dirty="0" smtClean="0"/>
-              <a:t>Schematic</a:t>
+              <a:rPr lang="en-US" altLang="ko-KR" dirty="0"/>
+              <a:t>Apparatus – </a:t>
+            </a:r>
+            <a:r>
+              <a:rPr lang="en-US" altLang="ko-KR" dirty="0" smtClean="0"/>
+              <a:t>Lamp Switch</a:t>
             </a:r>
             <a:endParaRPr lang="en-US" dirty="0"/>
           </a:p>
@@ -5386,20 +5406,868 @@
       </p:sp>
       <p:sp>
         <p:nvSpPr>
-          <p:cNvPr id="6" name="Content Placeholder 5"/>
-          <p:cNvSpPr>
-            <a:spLocks noGrp="1"/>
-          </p:cNvSpPr>
-          <p:nvPr>
-            <p:ph idx="1"/>
-          </p:nvPr>
-        </p:nvSpPr>
-        <p:spPr/>
+          <p:cNvPr id="2" name="내용 개체 틀 1"/>
+          <p:cNvSpPr>
+            <a:spLocks noGrp="1"/>
+          </p:cNvSpPr>
+          <p:nvPr>
+            <p:ph sz="half" idx="1"/>
+          </p:nvPr>
+        </p:nvSpPr>
+        <p:spPr>
+          <a:xfrm>
+            <a:off x="838200" y="1375646"/>
+            <a:ext cx="5181600" cy="4801317"/>
+          </a:xfrm>
+        </p:spPr>
         <p:txBody>
           <a:bodyPr/>
           <a:lstStyle/>
           <a:p>
-            <a:endParaRPr lang="en-US"/>
+            <a:endParaRPr lang="ko-KR" altLang="en-US"/>
+          </a:p>
+        </p:txBody>
+      </p:sp>
+      <p:sp>
+        <p:nvSpPr>
+          <p:cNvPr id="10" name="직사각형 9"/>
+          <p:cNvSpPr/>
+          <p:nvPr/>
+        </p:nvSpPr>
+        <p:spPr>
+          <a:xfrm>
+            <a:off x="7379936" y="1747881"/>
+            <a:ext cx="2775568" cy="3230520"/>
+          </a:xfrm>
+          <a:prstGeom prst="rect">
+            <a:avLst/>
+          </a:prstGeom>
+        </p:spPr>
+        <p:style>
+          <a:lnRef idx="2">
+            <a:schemeClr val="accent1">
+              <a:shade val="50000"/>
+            </a:schemeClr>
+          </a:lnRef>
+          <a:fillRef idx="1">
+            <a:schemeClr val="accent1"/>
+          </a:fillRef>
+          <a:effectRef idx="0">
+            <a:schemeClr val="accent1"/>
+          </a:effectRef>
+          <a:fontRef idx="minor">
+            <a:schemeClr val="lt1"/>
+          </a:fontRef>
+        </p:style>
+        <p:txBody>
+          <a:bodyPr rtlCol="0" anchor="ctr"/>
+          <a:lstStyle/>
+          <a:p>
+            <a:pPr algn="ctr"/>
+            <a:endParaRPr lang="ko-KR" altLang="en-US"/>
+          </a:p>
+        </p:txBody>
+      </p:sp>
+      <p:sp>
+        <p:nvSpPr>
+          <p:cNvPr id="11" name="직사각형 10"/>
+          <p:cNvSpPr/>
+          <p:nvPr/>
+        </p:nvSpPr>
+        <p:spPr>
+          <a:xfrm>
+            <a:off x="8172956" y="1942089"/>
+            <a:ext cx="1780248" cy="736374"/>
+          </a:xfrm>
+          <a:prstGeom prst="rect">
+            <a:avLst/>
+          </a:prstGeom>
+          <a:solidFill>
+            <a:srgbClr val="FFFF00"/>
+          </a:solidFill>
+        </p:spPr>
+        <p:style>
+          <a:lnRef idx="2">
+            <a:schemeClr val="accent1">
+              <a:shade val="50000"/>
+            </a:schemeClr>
+          </a:lnRef>
+          <a:fillRef idx="1">
+            <a:schemeClr val="accent1"/>
+          </a:fillRef>
+          <a:effectRef idx="0">
+            <a:schemeClr val="accent1"/>
+          </a:effectRef>
+          <a:fontRef idx="minor">
+            <a:schemeClr val="lt1"/>
+          </a:fontRef>
+        </p:style>
+        <p:txBody>
+          <a:bodyPr rtlCol="0" anchor="ctr"/>
+          <a:lstStyle/>
+          <a:p>
+            <a:pPr algn="ctr"/>
+            <a:r>
+              <a:rPr lang="en-US" altLang="ko-KR" b="1" dirty="0" smtClean="0">
+                <a:solidFill>
+                  <a:srgbClr val="002060"/>
+                </a:solidFill>
+              </a:rPr>
+              <a:t>RELAY</a:t>
+            </a:r>
+            <a:endParaRPr lang="ko-KR" altLang="en-US" b="1" dirty="0">
+              <a:solidFill>
+                <a:srgbClr val="002060"/>
+              </a:solidFill>
+            </a:endParaRPr>
+          </a:p>
+        </p:txBody>
+      </p:sp>
+      <p:sp>
+        <p:nvSpPr>
+          <p:cNvPr id="12" name="타원 11"/>
+          <p:cNvSpPr/>
+          <p:nvPr/>
+        </p:nvSpPr>
+        <p:spPr>
+          <a:xfrm>
+            <a:off x="9775179" y="2037818"/>
+            <a:ext cx="80920" cy="73638"/>
+          </a:xfrm>
+          <a:prstGeom prst="ellipse">
+            <a:avLst/>
+          </a:prstGeom>
+          <a:solidFill>
+            <a:srgbClr val="FF0000"/>
+          </a:solidFill>
+          <a:ln>
+            <a:solidFill>
+              <a:srgbClr val="FF0000"/>
+            </a:solidFill>
+          </a:ln>
+        </p:spPr>
+        <p:style>
+          <a:lnRef idx="2">
+            <a:schemeClr val="accent1">
+              <a:shade val="50000"/>
+            </a:schemeClr>
+          </a:lnRef>
+          <a:fillRef idx="1">
+            <a:schemeClr val="accent1"/>
+          </a:fillRef>
+          <a:effectRef idx="0">
+            <a:schemeClr val="accent1"/>
+          </a:effectRef>
+          <a:fontRef idx="minor">
+            <a:schemeClr val="lt1"/>
+          </a:fontRef>
+        </p:style>
+        <p:txBody>
+          <a:bodyPr rtlCol="0" anchor="ctr"/>
+          <a:lstStyle/>
+          <a:p>
+            <a:pPr algn="ctr"/>
+            <a:endParaRPr lang="ko-KR" altLang="en-US"/>
+          </a:p>
+        </p:txBody>
+      </p:sp>
+      <p:sp>
+        <p:nvSpPr>
+          <p:cNvPr id="13" name="타원 12"/>
+          <p:cNvSpPr/>
+          <p:nvPr/>
+        </p:nvSpPr>
+        <p:spPr>
+          <a:xfrm>
+            <a:off x="9775179" y="2521690"/>
+            <a:ext cx="80920" cy="73638"/>
+          </a:xfrm>
+          <a:prstGeom prst="ellipse">
+            <a:avLst/>
+          </a:prstGeom>
+          <a:solidFill>
+            <a:srgbClr val="FF0000"/>
+          </a:solidFill>
+          <a:ln>
+            <a:solidFill>
+              <a:srgbClr val="FF0000"/>
+            </a:solidFill>
+          </a:ln>
+        </p:spPr>
+        <p:style>
+          <a:lnRef idx="2">
+            <a:schemeClr val="accent1">
+              <a:shade val="50000"/>
+            </a:schemeClr>
+          </a:lnRef>
+          <a:fillRef idx="1">
+            <a:schemeClr val="accent1"/>
+          </a:fillRef>
+          <a:effectRef idx="0">
+            <a:schemeClr val="accent1"/>
+          </a:effectRef>
+          <a:fontRef idx="minor">
+            <a:schemeClr val="lt1"/>
+          </a:fontRef>
+        </p:style>
+        <p:txBody>
+          <a:bodyPr rtlCol="0" anchor="ctr"/>
+          <a:lstStyle/>
+          <a:p>
+            <a:pPr algn="ctr"/>
+            <a:endParaRPr lang="ko-KR" altLang="en-US"/>
+          </a:p>
+        </p:txBody>
+      </p:sp>
+      <p:sp>
+        <p:nvSpPr>
+          <p:cNvPr id="14" name="타원 13"/>
+          <p:cNvSpPr/>
+          <p:nvPr/>
+        </p:nvSpPr>
+        <p:spPr>
+          <a:xfrm>
+            <a:off x="9775179" y="2282047"/>
+            <a:ext cx="80920" cy="73638"/>
+          </a:xfrm>
+          <a:prstGeom prst="ellipse">
+            <a:avLst/>
+          </a:prstGeom>
+          <a:solidFill>
+            <a:srgbClr val="FF0000"/>
+          </a:solidFill>
+          <a:ln>
+            <a:solidFill>
+              <a:srgbClr val="FF0000"/>
+            </a:solidFill>
+          </a:ln>
+        </p:spPr>
+        <p:style>
+          <a:lnRef idx="2">
+            <a:schemeClr val="accent1">
+              <a:shade val="50000"/>
+            </a:schemeClr>
+          </a:lnRef>
+          <a:fillRef idx="1">
+            <a:schemeClr val="accent1"/>
+          </a:fillRef>
+          <a:effectRef idx="0">
+            <a:schemeClr val="accent1"/>
+          </a:effectRef>
+          <a:fontRef idx="minor">
+            <a:schemeClr val="lt1"/>
+          </a:fontRef>
+        </p:style>
+        <p:txBody>
+          <a:bodyPr rtlCol="0" anchor="ctr"/>
+          <a:lstStyle/>
+          <a:p>
+            <a:pPr algn="ctr"/>
+            <a:endParaRPr lang="ko-KR" altLang="en-US"/>
+          </a:p>
+        </p:txBody>
+      </p:sp>
+      <p:sp>
+        <p:nvSpPr>
+          <p:cNvPr id="15" name="직사각형 14"/>
+          <p:cNvSpPr/>
+          <p:nvPr/>
+        </p:nvSpPr>
+        <p:spPr>
+          <a:xfrm>
+            <a:off x="9173248" y="3569315"/>
+            <a:ext cx="532148" cy="1106053"/>
+          </a:xfrm>
+          <a:prstGeom prst="rect">
+            <a:avLst/>
+          </a:prstGeom>
+          <a:solidFill>
+            <a:srgbClr val="00B050"/>
+          </a:solidFill>
+        </p:spPr>
+        <p:style>
+          <a:lnRef idx="2">
+            <a:schemeClr val="accent1">
+              <a:shade val="50000"/>
+            </a:schemeClr>
+          </a:lnRef>
+          <a:fillRef idx="1">
+            <a:schemeClr val="accent1"/>
+          </a:fillRef>
+          <a:effectRef idx="0">
+            <a:schemeClr val="accent1"/>
+          </a:effectRef>
+          <a:fontRef idx="minor">
+            <a:schemeClr val="lt1"/>
+          </a:fontRef>
+        </p:style>
+        <p:txBody>
+          <a:bodyPr rtlCol="0" anchor="ctr"/>
+          <a:lstStyle/>
+          <a:p>
+            <a:pPr algn="ctr"/>
+            <a:r>
+              <a:rPr lang="en-US" altLang="ko-KR" sz="1400" dirty="0" smtClean="0"/>
+              <a:t>P</a:t>
+            </a:r>
+          </a:p>
+          <a:p>
+            <a:pPr algn="ctr"/>
+            <a:r>
+              <a:rPr lang="en-US" altLang="ko-KR" sz="1400" dirty="0" smtClean="0"/>
+              <a:t>O</a:t>
+            </a:r>
+          </a:p>
+          <a:p>
+            <a:pPr algn="ctr"/>
+            <a:r>
+              <a:rPr lang="en-US" altLang="ko-KR" sz="1400" dirty="0" smtClean="0"/>
+              <a:t>W</a:t>
+            </a:r>
+          </a:p>
+          <a:p>
+            <a:pPr algn="ctr"/>
+            <a:r>
+              <a:rPr lang="en-US" altLang="ko-KR" sz="1400" dirty="0" smtClean="0"/>
+              <a:t>E</a:t>
+            </a:r>
+          </a:p>
+          <a:p>
+            <a:pPr algn="ctr"/>
+            <a:r>
+              <a:rPr lang="en-US" altLang="ko-KR" sz="1400" dirty="0"/>
+              <a:t>R</a:t>
+            </a:r>
+            <a:endParaRPr lang="ko-KR" altLang="en-US" sz="1400" dirty="0"/>
+          </a:p>
+        </p:txBody>
+      </p:sp>
+      <p:sp>
+        <p:nvSpPr>
+          <p:cNvPr id="16" name="직사각형 15"/>
+          <p:cNvSpPr/>
+          <p:nvPr/>
+        </p:nvSpPr>
+        <p:spPr>
+          <a:xfrm>
+            <a:off x="8172956" y="3567476"/>
+            <a:ext cx="943709" cy="1109732"/>
+          </a:xfrm>
+          <a:prstGeom prst="rect">
+            <a:avLst/>
+          </a:prstGeom>
+          <a:solidFill>
+            <a:srgbClr val="92D050"/>
+          </a:solidFill>
+        </p:spPr>
+        <p:style>
+          <a:lnRef idx="2">
+            <a:schemeClr val="accent1">
+              <a:shade val="50000"/>
+            </a:schemeClr>
+          </a:lnRef>
+          <a:fillRef idx="1">
+            <a:schemeClr val="accent1"/>
+          </a:fillRef>
+          <a:effectRef idx="0">
+            <a:schemeClr val="accent1"/>
+          </a:effectRef>
+          <a:fontRef idx="minor">
+            <a:schemeClr val="lt1"/>
+          </a:fontRef>
+        </p:style>
+        <p:txBody>
+          <a:bodyPr rtlCol="0" anchor="ctr"/>
+          <a:lstStyle/>
+          <a:p>
+            <a:pPr algn="ctr"/>
+            <a:r>
+              <a:rPr lang="en-US" altLang="ko-KR" dirty="0" smtClean="0"/>
+              <a:t>ZIGBEE</a:t>
+            </a:r>
+            <a:endParaRPr lang="ko-KR" altLang="en-US" dirty="0"/>
+          </a:p>
+        </p:txBody>
+      </p:sp>
+      <p:grpSp>
+        <p:nvGrpSpPr>
+          <p:cNvPr id="18" name="그룹 17"/>
+          <p:cNvGrpSpPr/>
+          <p:nvPr/>
+        </p:nvGrpSpPr>
+        <p:grpSpPr>
+          <a:xfrm>
+            <a:off x="8172956" y="2668349"/>
+            <a:ext cx="1780248" cy="736374"/>
+            <a:chOff x="8172956" y="1942088"/>
+            <a:chExt cx="1780248" cy="809203"/>
+          </a:xfrm>
+        </p:grpSpPr>
+        <p:sp>
+          <p:nvSpPr>
+            <p:cNvPr id="19" name="직사각형 18"/>
+            <p:cNvSpPr/>
+            <p:nvPr/>
+          </p:nvSpPr>
+          <p:spPr>
+            <a:xfrm>
+              <a:off x="8172956" y="1942088"/>
+              <a:ext cx="1780248" cy="809203"/>
+            </a:xfrm>
+            <a:prstGeom prst="rect">
+              <a:avLst/>
+            </a:prstGeom>
+            <a:solidFill>
+              <a:srgbClr val="FFFF00"/>
+            </a:solidFill>
+          </p:spPr>
+          <p:style>
+            <a:lnRef idx="2">
+              <a:schemeClr val="accent1">
+                <a:shade val="50000"/>
+              </a:schemeClr>
+            </a:lnRef>
+            <a:fillRef idx="1">
+              <a:schemeClr val="accent1"/>
+            </a:fillRef>
+            <a:effectRef idx="0">
+              <a:schemeClr val="accent1"/>
+            </a:effectRef>
+            <a:fontRef idx="minor">
+              <a:schemeClr val="lt1"/>
+            </a:fontRef>
+          </p:style>
+          <p:txBody>
+            <a:bodyPr rtlCol="0" anchor="ctr"/>
+            <a:lstStyle/>
+            <a:p>
+              <a:pPr algn="ctr"/>
+              <a:r>
+                <a:rPr lang="en-US" altLang="ko-KR" b="1" dirty="0" smtClean="0">
+                  <a:solidFill>
+                    <a:srgbClr val="002060"/>
+                  </a:solidFill>
+                </a:rPr>
+                <a:t>RELAY</a:t>
+              </a:r>
+              <a:endParaRPr lang="ko-KR" altLang="en-US" b="1" dirty="0">
+                <a:solidFill>
+                  <a:srgbClr val="002060"/>
+                </a:solidFill>
+              </a:endParaRPr>
+            </a:p>
+          </p:txBody>
+        </p:sp>
+        <p:sp>
+          <p:nvSpPr>
+            <p:cNvPr id="20" name="타원 19"/>
+            <p:cNvSpPr/>
+            <p:nvPr/>
+          </p:nvSpPr>
+          <p:spPr>
+            <a:xfrm>
+              <a:off x="9775179" y="2047285"/>
+              <a:ext cx="80920" cy="80921"/>
+            </a:xfrm>
+            <a:prstGeom prst="ellipse">
+              <a:avLst/>
+            </a:prstGeom>
+            <a:solidFill>
+              <a:srgbClr val="FF0000"/>
+            </a:solidFill>
+            <a:ln>
+              <a:solidFill>
+                <a:srgbClr val="FF0000"/>
+              </a:solidFill>
+            </a:ln>
+          </p:spPr>
+          <p:style>
+            <a:lnRef idx="2">
+              <a:schemeClr val="accent1">
+                <a:shade val="50000"/>
+              </a:schemeClr>
+            </a:lnRef>
+            <a:fillRef idx="1">
+              <a:schemeClr val="accent1"/>
+            </a:fillRef>
+            <a:effectRef idx="0">
+              <a:schemeClr val="accent1"/>
+            </a:effectRef>
+            <a:fontRef idx="minor">
+              <a:schemeClr val="lt1"/>
+            </a:fontRef>
+          </p:style>
+          <p:txBody>
+            <a:bodyPr rtlCol="0" anchor="ctr"/>
+            <a:lstStyle/>
+            <a:p>
+              <a:pPr algn="ctr"/>
+              <a:endParaRPr lang="ko-KR" altLang="en-US"/>
+            </a:p>
+          </p:txBody>
+        </p:sp>
+        <p:sp>
+          <p:nvSpPr>
+            <p:cNvPr id="21" name="타원 20"/>
+            <p:cNvSpPr/>
+            <p:nvPr/>
+          </p:nvSpPr>
+          <p:spPr>
+            <a:xfrm>
+              <a:off x="9775179" y="2579013"/>
+              <a:ext cx="80920" cy="80921"/>
+            </a:xfrm>
+            <a:prstGeom prst="ellipse">
+              <a:avLst/>
+            </a:prstGeom>
+            <a:solidFill>
+              <a:srgbClr val="FF0000"/>
+            </a:solidFill>
+            <a:ln>
+              <a:solidFill>
+                <a:srgbClr val="FF0000"/>
+              </a:solidFill>
+            </a:ln>
+          </p:spPr>
+          <p:style>
+            <a:lnRef idx="2">
+              <a:schemeClr val="accent1">
+                <a:shade val="50000"/>
+              </a:schemeClr>
+            </a:lnRef>
+            <a:fillRef idx="1">
+              <a:schemeClr val="accent1"/>
+            </a:fillRef>
+            <a:effectRef idx="0">
+              <a:schemeClr val="accent1"/>
+            </a:effectRef>
+            <a:fontRef idx="minor">
+              <a:schemeClr val="lt1"/>
+            </a:fontRef>
+          </p:style>
+          <p:txBody>
+            <a:bodyPr rtlCol="0" anchor="ctr"/>
+            <a:lstStyle/>
+            <a:p>
+              <a:pPr algn="ctr"/>
+              <a:endParaRPr lang="ko-KR" altLang="en-US"/>
+            </a:p>
+          </p:txBody>
+        </p:sp>
+        <p:sp>
+          <p:nvSpPr>
+            <p:cNvPr id="22" name="타원 21"/>
+            <p:cNvSpPr/>
+            <p:nvPr/>
+          </p:nvSpPr>
+          <p:spPr>
+            <a:xfrm>
+              <a:off x="9775179" y="2315669"/>
+              <a:ext cx="80920" cy="80921"/>
+            </a:xfrm>
+            <a:prstGeom prst="ellipse">
+              <a:avLst/>
+            </a:prstGeom>
+            <a:solidFill>
+              <a:srgbClr val="FF0000"/>
+            </a:solidFill>
+            <a:ln>
+              <a:solidFill>
+                <a:srgbClr val="FF0000"/>
+              </a:solidFill>
+            </a:ln>
+          </p:spPr>
+          <p:style>
+            <a:lnRef idx="2">
+              <a:schemeClr val="accent1">
+                <a:shade val="50000"/>
+              </a:schemeClr>
+            </a:lnRef>
+            <a:fillRef idx="1">
+              <a:schemeClr val="accent1"/>
+            </a:fillRef>
+            <a:effectRef idx="0">
+              <a:schemeClr val="accent1"/>
+            </a:effectRef>
+            <a:fontRef idx="minor">
+              <a:schemeClr val="lt1"/>
+            </a:fontRef>
+          </p:style>
+          <p:txBody>
+            <a:bodyPr rtlCol="0" anchor="ctr"/>
+            <a:lstStyle/>
+            <a:p>
+              <a:pPr algn="ctr"/>
+              <a:endParaRPr lang="ko-KR" altLang="en-US"/>
+            </a:p>
+          </p:txBody>
+        </p:sp>
+      </p:grpSp>
+      <p:sp>
+        <p:nvSpPr>
+          <p:cNvPr id="24" name="타원 23"/>
+          <p:cNvSpPr/>
+          <p:nvPr/>
+        </p:nvSpPr>
+        <p:spPr>
+          <a:xfrm>
+            <a:off x="7555386" y="2201120"/>
+            <a:ext cx="442119" cy="458531"/>
+          </a:xfrm>
+          <a:prstGeom prst="ellipse">
+            <a:avLst/>
+          </a:prstGeom>
+          <a:solidFill>
+            <a:schemeClr val="bg1">
+              <a:lumMod val="50000"/>
+            </a:schemeClr>
+          </a:solidFill>
+          <a:scene3d>
+            <a:camera prst="orthographicFront"/>
+            <a:lightRig rig="threePt" dir="t">
+              <a:rot lat="0" lon="0" rev="3000000"/>
+            </a:lightRig>
+          </a:scene3d>
+          <a:sp3d extrusionH="63500">
+            <a:bevelT/>
+            <a:bevelB/>
+          </a:sp3d>
+        </p:spPr>
+        <p:style>
+          <a:lnRef idx="2">
+            <a:schemeClr val="accent1">
+              <a:shade val="50000"/>
+            </a:schemeClr>
+          </a:lnRef>
+          <a:fillRef idx="1">
+            <a:schemeClr val="accent1"/>
+          </a:fillRef>
+          <a:effectRef idx="0">
+            <a:schemeClr val="accent1"/>
+          </a:effectRef>
+          <a:fontRef idx="minor">
+            <a:schemeClr val="lt1"/>
+          </a:fontRef>
+        </p:style>
+        <p:txBody>
+          <a:bodyPr rtlCol="0" anchor="ctr"/>
+          <a:lstStyle/>
+          <a:p>
+            <a:pPr algn="ctr"/>
+            <a:r>
+              <a:rPr lang="en-US" altLang="ko-KR" sz="600" dirty="0" smtClean="0"/>
+              <a:t>touch</a:t>
+            </a:r>
+            <a:endParaRPr lang="ko-KR" altLang="en-US" sz="600" dirty="0"/>
+          </a:p>
+        </p:txBody>
+      </p:sp>
+      <p:sp>
+        <p:nvSpPr>
+          <p:cNvPr id="25" name="타원 24"/>
+          <p:cNvSpPr/>
+          <p:nvPr/>
+        </p:nvSpPr>
+        <p:spPr>
+          <a:xfrm>
+            <a:off x="7555386" y="4041920"/>
+            <a:ext cx="442119" cy="458531"/>
+          </a:xfrm>
+          <a:prstGeom prst="ellipse">
+            <a:avLst/>
+          </a:prstGeom>
+          <a:solidFill>
+            <a:schemeClr val="bg1">
+              <a:lumMod val="50000"/>
+            </a:schemeClr>
+          </a:solidFill>
+          <a:scene3d>
+            <a:camera prst="orthographicFront"/>
+            <a:lightRig rig="threePt" dir="t">
+              <a:rot lat="0" lon="0" rev="3000000"/>
+            </a:lightRig>
+          </a:scene3d>
+          <a:sp3d extrusionH="63500">
+            <a:bevelT/>
+            <a:bevelB/>
+          </a:sp3d>
+        </p:spPr>
+        <p:style>
+          <a:lnRef idx="2">
+            <a:schemeClr val="accent1">
+              <a:shade val="50000"/>
+            </a:schemeClr>
+          </a:lnRef>
+          <a:fillRef idx="1">
+            <a:schemeClr val="accent1"/>
+          </a:fillRef>
+          <a:effectRef idx="0">
+            <a:schemeClr val="accent1"/>
+          </a:effectRef>
+          <a:fontRef idx="minor">
+            <a:schemeClr val="lt1"/>
+          </a:fontRef>
+        </p:style>
+        <p:txBody>
+          <a:bodyPr rtlCol="0" anchor="ctr"/>
+          <a:lstStyle/>
+          <a:p>
+            <a:pPr algn="ctr"/>
+            <a:endParaRPr lang="ko-KR" altLang="en-US"/>
+          </a:p>
+        </p:txBody>
+      </p:sp>
+      <p:sp>
+        <p:nvSpPr>
+          <p:cNvPr id="26" name="직사각형 25"/>
+          <p:cNvSpPr/>
+          <p:nvPr/>
+        </p:nvSpPr>
+        <p:spPr>
+          <a:xfrm rot="16200000">
+            <a:off x="9427330" y="3917229"/>
+            <a:ext cx="933213" cy="249382"/>
+          </a:xfrm>
+          <a:prstGeom prst="rect">
+            <a:avLst/>
+          </a:prstGeom>
+          <a:solidFill>
+            <a:schemeClr val="accent4">
+              <a:lumMod val="40000"/>
+              <a:lumOff val="60000"/>
+            </a:schemeClr>
+          </a:solidFill>
+        </p:spPr>
+        <p:style>
+          <a:lnRef idx="2">
+            <a:schemeClr val="accent1">
+              <a:shade val="50000"/>
+            </a:schemeClr>
+          </a:lnRef>
+          <a:fillRef idx="1">
+            <a:schemeClr val="accent1"/>
+          </a:fillRef>
+          <a:effectRef idx="0">
+            <a:schemeClr val="accent1"/>
+          </a:effectRef>
+          <a:fontRef idx="minor">
+            <a:schemeClr val="lt1"/>
+          </a:fontRef>
+        </p:style>
+        <p:txBody>
+          <a:bodyPr rtlCol="0" anchor="ctr"/>
+          <a:lstStyle/>
+          <a:p>
+            <a:pPr algn="ctr"/>
+            <a:r>
+              <a:rPr lang="en-US" altLang="ko-KR" dirty="0" smtClean="0">
+                <a:solidFill>
+                  <a:srgbClr val="002060"/>
+                </a:solidFill>
+              </a:rPr>
+              <a:t>FUSE</a:t>
+            </a:r>
+            <a:endParaRPr lang="ko-KR" altLang="en-US" dirty="0">
+              <a:solidFill>
+                <a:srgbClr val="002060"/>
+              </a:solidFill>
+            </a:endParaRPr>
+          </a:p>
+        </p:txBody>
+      </p:sp>
+      <p:sp>
+        <p:nvSpPr>
+          <p:cNvPr id="31" name="타원 30"/>
+          <p:cNvSpPr/>
+          <p:nvPr/>
+        </p:nvSpPr>
+        <p:spPr>
+          <a:xfrm>
+            <a:off x="9853476" y="4806063"/>
+            <a:ext cx="80920" cy="73638"/>
+          </a:xfrm>
+          <a:prstGeom prst="ellipse">
+            <a:avLst/>
+          </a:prstGeom>
+          <a:solidFill>
+            <a:srgbClr val="FF0000"/>
+          </a:solidFill>
+          <a:ln>
+            <a:solidFill>
+              <a:srgbClr val="FF0000"/>
+            </a:solidFill>
+          </a:ln>
+        </p:spPr>
+        <p:style>
+          <a:lnRef idx="2">
+            <a:schemeClr val="accent1">
+              <a:shade val="50000"/>
+            </a:schemeClr>
+          </a:lnRef>
+          <a:fillRef idx="1">
+            <a:schemeClr val="accent1"/>
+          </a:fillRef>
+          <a:effectRef idx="0">
+            <a:schemeClr val="accent1"/>
+          </a:effectRef>
+          <a:fontRef idx="minor">
+            <a:schemeClr val="lt1"/>
+          </a:fontRef>
+        </p:style>
+        <p:txBody>
+          <a:bodyPr rtlCol="0" anchor="ctr"/>
+          <a:lstStyle/>
+          <a:p>
+            <a:pPr algn="ctr"/>
+            <a:endParaRPr lang="ko-KR" altLang="en-US"/>
+          </a:p>
+        </p:txBody>
+      </p:sp>
+      <p:sp>
+        <p:nvSpPr>
+          <p:cNvPr id="32" name="타원 31"/>
+          <p:cNvSpPr/>
+          <p:nvPr/>
+        </p:nvSpPr>
+        <p:spPr>
+          <a:xfrm>
+            <a:off x="9591908" y="4806063"/>
+            <a:ext cx="80920" cy="73638"/>
+          </a:xfrm>
+          <a:prstGeom prst="ellipse">
+            <a:avLst/>
+          </a:prstGeom>
+          <a:solidFill>
+            <a:srgbClr val="FF0000"/>
+          </a:solidFill>
+          <a:ln>
+            <a:solidFill>
+              <a:srgbClr val="FF0000"/>
+            </a:solidFill>
+          </a:ln>
+        </p:spPr>
+        <p:style>
+          <a:lnRef idx="2">
+            <a:schemeClr val="accent1">
+              <a:shade val="50000"/>
+            </a:schemeClr>
+          </a:lnRef>
+          <a:fillRef idx="1">
+            <a:schemeClr val="accent1"/>
+          </a:fillRef>
+          <a:effectRef idx="0">
+            <a:schemeClr val="accent1"/>
+          </a:effectRef>
+          <a:fontRef idx="minor">
+            <a:schemeClr val="lt1"/>
+          </a:fontRef>
+        </p:style>
+        <p:txBody>
+          <a:bodyPr rtlCol="0" anchor="ctr"/>
+          <a:lstStyle/>
+          <a:p>
+            <a:pPr algn="ctr"/>
+            <a:endParaRPr lang="ko-KR" altLang="en-US"/>
           </a:p>
         </p:txBody>
       </p:sp>
@@ -5413,6 +6281,728 @@
   <p:clrMapOvr>
     <a:masterClrMapping/>
   </p:clrMapOvr>
+  <p:timing>
+    <p:tnLst>
+      <p:par>
+        <p:cTn id="1" dur="indefinite" restart="never" nodeType="tmRoot"/>
+      </p:par>
+    </p:tnLst>
+  </p:timing>
+</p:sld>
+</file>
+
+<file path=ppt/slides/slide9.xml><?xml version="1.0" encoding="utf-8"?>
+<p:sld xmlns:a="http://schemas.openxmlformats.org/drawingml/2006/main" xmlns:r="http://schemas.openxmlformats.org/officeDocument/2006/relationships" xmlns:p="http://schemas.openxmlformats.org/presentationml/2006/main">
+  <p:cSld>
+    <p:spTree>
+      <p:nvGrpSpPr>
+        <p:cNvPr id="1" name=""/>
+        <p:cNvGrpSpPr/>
+        <p:nvPr/>
+      </p:nvGrpSpPr>
+      <p:grpSpPr>
+        <a:xfrm>
+          <a:off x="0" y="0"/>
+          <a:ext cx="0" cy="0"/>
+          <a:chOff x="0" y="0"/>
+          <a:chExt cx="0" cy="0"/>
+        </a:xfrm>
+      </p:grpSpPr>
+      <p:sp>
+        <p:nvSpPr>
+          <p:cNvPr id="7" name="직사각형 6"/>
+          <p:cNvSpPr/>
+          <p:nvPr/>
+        </p:nvSpPr>
+        <p:spPr>
+          <a:xfrm>
+            <a:off x="8691418" y="837463"/>
+            <a:ext cx="2669309" cy="5572575"/>
+          </a:xfrm>
+          <a:prstGeom prst="rect">
+            <a:avLst/>
+          </a:prstGeom>
+          <a:solidFill>
+            <a:schemeClr val="bg1">
+              <a:lumMod val="75000"/>
+            </a:schemeClr>
+          </a:solidFill>
+        </p:spPr>
+        <p:style>
+          <a:lnRef idx="2">
+            <a:schemeClr val="accent1">
+              <a:shade val="50000"/>
+            </a:schemeClr>
+          </a:lnRef>
+          <a:fillRef idx="1">
+            <a:schemeClr val="accent1"/>
+          </a:fillRef>
+          <a:effectRef idx="0">
+            <a:schemeClr val="accent1"/>
+          </a:effectRef>
+          <a:fontRef idx="minor">
+            <a:schemeClr val="lt1"/>
+          </a:fontRef>
+        </p:style>
+        <p:txBody>
+          <a:bodyPr rtlCol="0" anchor="ctr"/>
+          <a:lstStyle/>
+          <a:p>
+            <a:pPr algn="ctr"/>
+            <a:endParaRPr lang="ko-KR" altLang="en-US"/>
+          </a:p>
+        </p:txBody>
+      </p:sp>
+      <p:sp>
+        <p:nvSpPr>
+          <p:cNvPr id="5" name="Title 4"/>
+          <p:cNvSpPr>
+            <a:spLocks noGrp="1"/>
+          </p:cNvSpPr>
+          <p:nvPr>
+            <p:ph type="title"/>
+          </p:nvPr>
+        </p:nvSpPr>
+        <p:spPr/>
+        <p:txBody>
+          <a:bodyPr/>
+          <a:lstStyle/>
+          <a:p>
+            <a:r>
+              <a:rPr lang="en-US" altLang="ko-KR" dirty="0"/>
+              <a:t>Apparatus – </a:t>
+            </a:r>
+            <a:r>
+              <a:rPr lang="en-US" altLang="ko-KR" dirty="0" smtClean="0"/>
+              <a:t>Power Outlet</a:t>
+            </a:r>
+            <a:endParaRPr lang="en-US" dirty="0"/>
+          </a:p>
+        </p:txBody>
+      </p:sp>
+      <p:sp>
+        <p:nvSpPr>
+          <p:cNvPr id="2" name="내용 개체 틀 1"/>
+          <p:cNvSpPr>
+            <a:spLocks noGrp="1"/>
+          </p:cNvSpPr>
+          <p:nvPr>
+            <p:ph sz="half" idx="1"/>
+          </p:nvPr>
+        </p:nvSpPr>
+        <p:spPr>
+          <a:xfrm>
+            <a:off x="838200" y="1375646"/>
+            <a:ext cx="5181600" cy="4801317"/>
+          </a:xfrm>
+        </p:spPr>
+        <p:txBody>
+          <a:bodyPr/>
+          <a:lstStyle/>
+          <a:p>
+            <a:endParaRPr lang="ko-KR" altLang="en-US"/>
+          </a:p>
+        </p:txBody>
+      </p:sp>
+      <p:grpSp>
+        <p:nvGrpSpPr>
+          <p:cNvPr id="6" name="그룹 5"/>
+          <p:cNvGrpSpPr/>
+          <p:nvPr/>
+        </p:nvGrpSpPr>
+        <p:grpSpPr>
+          <a:xfrm>
+            <a:off x="9133535" y="2798161"/>
+            <a:ext cx="1780248" cy="736374"/>
+            <a:chOff x="8172956" y="1942089"/>
+            <a:chExt cx="1780248" cy="736374"/>
+          </a:xfrm>
+        </p:grpSpPr>
+        <p:sp>
+          <p:nvSpPr>
+            <p:cNvPr id="11" name="직사각형 10"/>
+            <p:cNvSpPr/>
+            <p:nvPr/>
+          </p:nvSpPr>
+          <p:spPr>
+            <a:xfrm>
+              <a:off x="8172956" y="1942089"/>
+              <a:ext cx="1780248" cy="736374"/>
+            </a:xfrm>
+            <a:prstGeom prst="rect">
+              <a:avLst/>
+            </a:prstGeom>
+            <a:solidFill>
+              <a:srgbClr val="FFFF00"/>
+            </a:solidFill>
+          </p:spPr>
+          <p:style>
+            <a:lnRef idx="2">
+              <a:schemeClr val="accent1">
+                <a:shade val="50000"/>
+              </a:schemeClr>
+            </a:lnRef>
+            <a:fillRef idx="1">
+              <a:schemeClr val="accent1"/>
+            </a:fillRef>
+            <a:effectRef idx="0">
+              <a:schemeClr val="accent1"/>
+            </a:effectRef>
+            <a:fontRef idx="minor">
+              <a:schemeClr val="lt1"/>
+            </a:fontRef>
+          </p:style>
+          <p:txBody>
+            <a:bodyPr rtlCol="0" anchor="ctr"/>
+            <a:lstStyle/>
+            <a:p>
+              <a:pPr algn="ctr"/>
+              <a:r>
+                <a:rPr lang="en-US" altLang="ko-KR" b="1" dirty="0" smtClean="0">
+                  <a:solidFill>
+                    <a:srgbClr val="002060"/>
+                  </a:solidFill>
+                </a:rPr>
+                <a:t>RELAY</a:t>
+              </a:r>
+              <a:endParaRPr lang="ko-KR" altLang="en-US" b="1" dirty="0">
+                <a:solidFill>
+                  <a:srgbClr val="002060"/>
+                </a:solidFill>
+              </a:endParaRPr>
+            </a:p>
+          </p:txBody>
+        </p:sp>
+        <p:sp>
+          <p:nvSpPr>
+            <p:cNvPr id="12" name="타원 11"/>
+            <p:cNvSpPr/>
+            <p:nvPr/>
+          </p:nvSpPr>
+          <p:spPr>
+            <a:xfrm>
+              <a:off x="9775179" y="2037818"/>
+              <a:ext cx="80920" cy="73638"/>
+            </a:xfrm>
+            <a:prstGeom prst="ellipse">
+              <a:avLst/>
+            </a:prstGeom>
+            <a:solidFill>
+              <a:srgbClr val="FF0000"/>
+            </a:solidFill>
+            <a:ln>
+              <a:solidFill>
+                <a:srgbClr val="FF0000"/>
+              </a:solidFill>
+            </a:ln>
+          </p:spPr>
+          <p:style>
+            <a:lnRef idx="2">
+              <a:schemeClr val="accent1">
+                <a:shade val="50000"/>
+              </a:schemeClr>
+            </a:lnRef>
+            <a:fillRef idx="1">
+              <a:schemeClr val="accent1"/>
+            </a:fillRef>
+            <a:effectRef idx="0">
+              <a:schemeClr val="accent1"/>
+            </a:effectRef>
+            <a:fontRef idx="minor">
+              <a:schemeClr val="lt1"/>
+            </a:fontRef>
+          </p:style>
+          <p:txBody>
+            <a:bodyPr rtlCol="0" anchor="ctr"/>
+            <a:lstStyle/>
+            <a:p>
+              <a:pPr algn="ctr"/>
+              <a:endParaRPr lang="ko-KR" altLang="en-US"/>
+            </a:p>
+          </p:txBody>
+        </p:sp>
+        <p:sp>
+          <p:nvSpPr>
+            <p:cNvPr id="13" name="타원 12"/>
+            <p:cNvSpPr/>
+            <p:nvPr/>
+          </p:nvSpPr>
+          <p:spPr>
+            <a:xfrm>
+              <a:off x="9775179" y="2521690"/>
+              <a:ext cx="80920" cy="73638"/>
+            </a:xfrm>
+            <a:prstGeom prst="ellipse">
+              <a:avLst/>
+            </a:prstGeom>
+            <a:solidFill>
+              <a:srgbClr val="FF0000"/>
+            </a:solidFill>
+            <a:ln>
+              <a:solidFill>
+                <a:srgbClr val="FF0000"/>
+              </a:solidFill>
+            </a:ln>
+          </p:spPr>
+          <p:style>
+            <a:lnRef idx="2">
+              <a:schemeClr val="accent1">
+                <a:shade val="50000"/>
+              </a:schemeClr>
+            </a:lnRef>
+            <a:fillRef idx="1">
+              <a:schemeClr val="accent1"/>
+            </a:fillRef>
+            <a:effectRef idx="0">
+              <a:schemeClr val="accent1"/>
+            </a:effectRef>
+            <a:fontRef idx="minor">
+              <a:schemeClr val="lt1"/>
+            </a:fontRef>
+          </p:style>
+          <p:txBody>
+            <a:bodyPr rtlCol="0" anchor="ctr"/>
+            <a:lstStyle/>
+            <a:p>
+              <a:pPr algn="ctr"/>
+              <a:endParaRPr lang="ko-KR" altLang="en-US"/>
+            </a:p>
+          </p:txBody>
+        </p:sp>
+        <p:sp>
+          <p:nvSpPr>
+            <p:cNvPr id="14" name="타원 13"/>
+            <p:cNvSpPr/>
+            <p:nvPr/>
+          </p:nvSpPr>
+          <p:spPr>
+            <a:xfrm>
+              <a:off x="9775179" y="2282047"/>
+              <a:ext cx="80920" cy="73638"/>
+            </a:xfrm>
+            <a:prstGeom prst="ellipse">
+              <a:avLst/>
+            </a:prstGeom>
+            <a:solidFill>
+              <a:srgbClr val="FF0000"/>
+            </a:solidFill>
+            <a:ln>
+              <a:solidFill>
+                <a:srgbClr val="FF0000"/>
+              </a:solidFill>
+            </a:ln>
+          </p:spPr>
+          <p:style>
+            <a:lnRef idx="2">
+              <a:schemeClr val="accent1">
+                <a:shade val="50000"/>
+              </a:schemeClr>
+            </a:lnRef>
+            <a:fillRef idx="1">
+              <a:schemeClr val="accent1"/>
+            </a:fillRef>
+            <a:effectRef idx="0">
+              <a:schemeClr val="accent1"/>
+            </a:effectRef>
+            <a:fontRef idx="minor">
+              <a:schemeClr val="lt1"/>
+            </a:fontRef>
+          </p:style>
+          <p:txBody>
+            <a:bodyPr rtlCol="0" anchor="ctr"/>
+            <a:lstStyle/>
+            <a:p>
+              <a:pPr algn="ctr"/>
+              <a:endParaRPr lang="ko-KR" altLang="en-US"/>
+            </a:p>
+          </p:txBody>
+        </p:sp>
+      </p:grpSp>
+      <p:sp>
+        <p:nvSpPr>
+          <p:cNvPr id="15" name="직사각형 14"/>
+          <p:cNvSpPr/>
+          <p:nvPr/>
+        </p:nvSpPr>
+        <p:spPr>
+          <a:xfrm>
+            <a:off x="10077948" y="1608415"/>
+            <a:ext cx="532148" cy="1106053"/>
+          </a:xfrm>
+          <a:prstGeom prst="rect">
+            <a:avLst/>
+          </a:prstGeom>
+          <a:solidFill>
+            <a:srgbClr val="00B050"/>
+          </a:solidFill>
+        </p:spPr>
+        <p:style>
+          <a:lnRef idx="2">
+            <a:schemeClr val="accent1">
+              <a:shade val="50000"/>
+            </a:schemeClr>
+          </a:lnRef>
+          <a:fillRef idx="1">
+            <a:schemeClr val="accent1"/>
+          </a:fillRef>
+          <a:effectRef idx="0">
+            <a:schemeClr val="accent1"/>
+          </a:effectRef>
+          <a:fontRef idx="minor">
+            <a:schemeClr val="lt1"/>
+          </a:fontRef>
+        </p:style>
+        <p:txBody>
+          <a:bodyPr rtlCol="0" anchor="ctr"/>
+          <a:lstStyle/>
+          <a:p>
+            <a:pPr algn="ctr"/>
+            <a:r>
+              <a:rPr lang="en-US" altLang="ko-KR" sz="1400" dirty="0" smtClean="0"/>
+              <a:t>P</a:t>
+            </a:r>
+          </a:p>
+          <a:p>
+            <a:pPr algn="ctr"/>
+            <a:r>
+              <a:rPr lang="en-US" altLang="ko-KR" sz="1400" dirty="0" smtClean="0"/>
+              <a:t>O</a:t>
+            </a:r>
+          </a:p>
+          <a:p>
+            <a:pPr algn="ctr"/>
+            <a:r>
+              <a:rPr lang="en-US" altLang="ko-KR" sz="1400" dirty="0" smtClean="0"/>
+              <a:t>W</a:t>
+            </a:r>
+          </a:p>
+          <a:p>
+            <a:pPr algn="ctr"/>
+            <a:r>
+              <a:rPr lang="en-US" altLang="ko-KR" sz="1400" dirty="0" smtClean="0"/>
+              <a:t>E</a:t>
+            </a:r>
+          </a:p>
+          <a:p>
+            <a:pPr algn="ctr"/>
+            <a:r>
+              <a:rPr lang="en-US" altLang="ko-KR" sz="1400" dirty="0"/>
+              <a:t>R</a:t>
+            </a:r>
+            <a:endParaRPr lang="ko-KR" altLang="en-US" sz="1400" dirty="0"/>
+          </a:p>
+        </p:txBody>
+      </p:sp>
+      <p:sp>
+        <p:nvSpPr>
+          <p:cNvPr id="16" name="직사각형 15"/>
+          <p:cNvSpPr/>
+          <p:nvPr/>
+        </p:nvSpPr>
+        <p:spPr>
+          <a:xfrm>
+            <a:off x="9133909" y="1604736"/>
+            <a:ext cx="943709" cy="1109732"/>
+          </a:xfrm>
+          <a:prstGeom prst="rect">
+            <a:avLst/>
+          </a:prstGeom>
+          <a:solidFill>
+            <a:srgbClr val="92D050"/>
+          </a:solidFill>
+        </p:spPr>
+        <p:style>
+          <a:lnRef idx="2">
+            <a:schemeClr val="accent1">
+              <a:shade val="50000"/>
+            </a:schemeClr>
+          </a:lnRef>
+          <a:fillRef idx="1">
+            <a:schemeClr val="accent1"/>
+          </a:fillRef>
+          <a:effectRef idx="0">
+            <a:schemeClr val="accent1"/>
+          </a:effectRef>
+          <a:fontRef idx="minor">
+            <a:schemeClr val="lt1"/>
+          </a:fontRef>
+        </p:style>
+        <p:txBody>
+          <a:bodyPr rtlCol="0" anchor="ctr"/>
+          <a:lstStyle/>
+          <a:p>
+            <a:pPr algn="ctr"/>
+            <a:r>
+              <a:rPr lang="en-US" altLang="ko-KR" dirty="0" smtClean="0"/>
+              <a:t>ZIGBEE</a:t>
+            </a:r>
+            <a:endParaRPr lang="ko-KR" altLang="en-US" dirty="0"/>
+          </a:p>
+        </p:txBody>
+      </p:sp>
+      <p:sp>
+        <p:nvSpPr>
+          <p:cNvPr id="24" name="타원 23"/>
+          <p:cNvSpPr/>
+          <p:nvPr/>
+        </p:nvSpPr>
+        <p:spPr>
+          <a:xfrm>
+            <a:off x="9802599" y="958995"/>
+            <a:ext cx="442119" cy="458531"/>
+          </a:xfrm>
+          <a:prstGeom prst="ellipse">
+            <a:avLst/>
+          </a:prstGeom>
+          <a:solidFill>
+            <a:schemeClr val="bg1">
+              <a:lumMod val="50000"/>
+            </a:schemeClr>
+          </a:solidFill>
+          <a:scene3d>
+            <a:camera prst="orthographicFront"/>
+            <a:lightRig rig="threePt" dir="t">
+              <a:rot lat="0" lon="0" rev="3000000"/>
+            </a:lightRig>
+          </a:scene3d>
+          <a:sp3d extrusionH="63500">
+            <a:bevelT/>
+            <a:bevelB/>
+          </a:sp3d>
+        </p:spPr>
+        <p:style>
+          <a:lnRef idx="2">
+            <a:schemeClr val="accent1">
+              <a:shade val="50000"/>
+            </a:schemeClr>
+          </a:lnRef>
+          <a:fillRef idx="1">
+            <a:schemeClr val="accent1"/>
+          </a:fillRef>
+          <a:effectRef idx="0">
+            <a:schemeClr val="accent1"/>
+          </a:effectRef>
+          <a:fontRef idx="minor">
+            <a:schemeClr val="lt1"/>
+          </a:fontRef>
+        </p:style>
+        <p:txBody>
+          <a:bodyPr rtlCol="0" anchor="ctr"/>
+          <a:lstStyle/>
+          <a:p>
+            <a:pPr algn="ctr"/>
+            <a:endParaRPr lang="ko-KR" altLang="en-US"/>
+          </a:p>
+        </p:txBody>
+      </p:sp>
+      <p:sp>
+        <p:nvSpPr>
+          <p:cNvPr id="26" name="직사각형 25"/>
+          <p:cNvSpPr/>
+          <p:nvPr/>
+        </p:nvSpPr>
+        <p:spPr>
+          <a:xfrm rot="16200000">
+            <a:off x="10269152" y="1946651"/>
+            <a:ext cx="933213" cy="249382"/>
+          </a:xfrm>
+          <a:prstGeom prst="rect">
+            <a:avLst/>
+          </a:prstGeom>
+          <a:solidFill>
+            <a:schemeClr val="accent4">
+              <a:lumMod val="40000"/>
+              <a:lumOff val="60000"/>
+            </a:schemeClr>
+          </a:solidFill>
+        </p:spPr>
+        <p:style>
+          <a:lnRef idx="2">
+            <a:schemeClr val="accent1">
+              <a:shade val="50000"/>
+            </a:schemeClr>
+          </a:lnRef>
+          <a:fillRef idx="1">
+            <a:schemeClr val="accent1"/>
+          </a:fillRef>
+          <a:effectRef idx="0">
+            <a:schemeClr val="accent1"/>
+          </a:effectRef>
+          <a:fontRef idx="minor">
+            <a:schemeClr val="lt1"/>
+          </a:fontRef>
+        </p:style>
+        <p:txBody>
+          <a:bodyPr rtlCol="0" anchor="ctr"/>
+          <a:lstStyle/>
+          <a:p>
+            <a:pPr algn="ctr"/>
+            <a:r>
+              <a:rPr lang="en-US" altLang="ko-KR" dirty="0" smtClean="0">
+                <a:solidFill>
+                  <a:srgbClr val="002060"/>
+                </a:solidFill>
+              </a:rPr>
+              <a:t>FUSE</a:t>
+            </a:r>
+            <a:endParaRPr lang="ko-KR" altLang="en-US" dirty="0">
+              <a:solidFill>
+                <a:srgbClr val="002060"/>
+              </a:solidFill>
+            </a:endParaRPr>
+          </a:p>
+        </p:txBody>
+      </p:sp>
+      <p:sp>
+        <p:nvSpPr>
+          <p:cNvPr id="3" name="타원 2"/>
+          <p:cNvSpPr/>
+          <p:nvPr/>
+        </p:nvSpPr>
+        <p:spPr>
+          <a:xfrm>
+            <a:off x="8772132" y="3563513"/>
+            <a:ext cx="2503055" cy="2770909"/>
+          </a:xfrm>
+          <a:prstGeom prst="ellipse">
+            <a:avLst/>
+          </a:prstGeom>
+          <a:scene3d>
+            <a:camera prst="orthographicFront"/>
+            <a:lightRig rig="threePt" dir="t"/>
+          </a:scene3d>
+          <a:sp3d>
+            <a:bevelT w="152400" h="50800" prst="softRound"/>
+          </a:sp3d>
+        </p:spPr>
+        <p:style>
+          <a:lnRef idx="2">
+            <a:schemeClr val="accent1">
+              <a:shade val="50000"/>
+            </a:schemeClr>
+          </a:lnRef>
+          <a:fillRef idx="1">
+            <a:schemeClr val="accent1"/>
+          </a:fillRef>
+          <a:effectRef idx="0">
+            <a:schemeClr val="accent1"/>
+          </a:effectRef>
+          <a:fontRef idx="minor">
+            <a:schemeClr val="lt1"/>
+          </a:fontRef>
+        </p:style>
+        <p:txBody>
+          <a:bodyPr rtlCol="0" anchor="ctr"/>
+          <a:lstStyle/>
+          <a:p>
+            <a:pPr algn="ctr"/>
+            <a:endParaRPr lang="ko-KR" altLang="en-US"/>
+          </a:p>
+        </p:txBody>
+      </p:sp>
+      <p:sp>
+        <p:nvSpPr>
+          <p:cNvPr id="4" name="타원 3"/>
+          <p:cNvSpPr/>
+          <p:nvPr/>
+        </p:nvSpPr>
+        <p:spPr>
+          <a:xfrm>
+            <a:off x="9346774" y="4805411"/>
+            <a:ext cx="258618" cy="287111"/>
+          </a:xfrm>
+          <a:prstGeom prst="ellipse">
+            <a:avLst/>
+          </a:prstGeom>
+          <a:solidFill>
+            <a:schemeClr val="tx1"/>
+          </a:solidFill>
+        </p:spPr>
+        <p:style>
+          <a:lnRef idx="2">
+            <a:schemeClr val="accent1">
+              <a:shade val="50000"/>
+            </a:schemeClr>
+          </a:lnRef>
+          <a:fillRef idx="1">
+            <a:schemeClr val="accent1"/>
+          </a:fillRef>
+          <a:effectRef idx="0">
+            <a:schemeClr val="accent1"/>
+          </a:effectRef>
+          <a:fontRef idx="minor">
+            <a:schemeClr val="lt1"/>
+          </a:fontRef>
+        </p:style>
+        <p:txBody>
+          <a:bodyPr rtlCol="0" anchor="ctr"/>
+          <a:lstStyle/>
+          <a:p>
+            <a:pPr algn="ctr"/>
+            <a:endParaRPr lang="ko-KR" altLang="en-US"/>
+          </a:p>
+        </p:txBody>
+      </p:sp>
+      <p:sp>
+        <p:nvSpPr>
+          <p:cNvPr id="23" name="타원 22"/>
+          <p:cNvSpPr/>
+          <p:nvPr/>
+        </p:nvSpPr>
+        <p:spPr>
+          <a:xfrm>
+            <a:off x="10461758" y="4805411"/>
+            <a:ext cx="258618" cy="287111"/>
+          </a:xfrm>
+          <a:prstGeom prst="ellipse">
+            <a:avLst/>
+          </a:prstGeom>
+          <a:solidFill>
+            <a:schemeClr val="tx1"/>
+          </a:solidFill>
+        </p:spPr>
+        <p:style>
+          <a:lnRef idx="2">
+            <a:schemeClr val="accent1">
+              <a:shade val="50000"/>
+            </a:schemeClr>
+          </a:lnRef>
+          <a:fillRef idx="1">
+            <a:schemeClr val="accent1"/>
+          </a:fillRef>
+          <a:effectRef idx="0">
+            <a:schemeClr val="accent1"/>
+          </a:effectRef>
+          <a:fontRef idx="minor">
+            <a:schemeClr val="lt1"/>
+          </a:fontRef>
+        </p:style>
+        <p:txBody>
+          <a:bodyPr rtlCol="0" anchor="ctr"/>
+          <a:lstStyle/>
+          <a:p>
+            <a:pPr algn="ctr"/>
+            <a:endParaRPr lang="ko-KR" altLang="en-US"/>
+          </a:p>
+        </p:txBody>
+      </p:sp>
+    </p:spTree>
+    <p:extLst>
+      <p:ext uri="{BB962C8B-B14F-4D97-AF65-F5344CB8AC3E}">
+        <p14:creationId xmlns:p14="http://schemas.microsoft.com/office/powerpoint/2010/main" val="1101196602"/>
+      </p:ext>
+    </p:extLst>
+  </p:cSld>
+  <p:clrMapOvr>
+    <a:masterClrMapping/>
+  </p:clrMapOvr>
+  <p:timing>
+    <p:tnLst>
+      <p:par>
+        <p:cTn id="1" dur="indefinite" restart="never" nodeType="tmRoot"/>
+      </p:par>
+    </p:tnLst>
+  </p:timing>
 </p:sld>
 </file>
 
